--- a/graphical_lasso_store_purchase_history/doc/memo.pptx
+++ b/graphical_lasso_store_purchase_history/doc/memo.pptx
@@ -5,10 +5,11 @@
     <p:sldMasterId id="2147483648" r:id="rId1"/>
   </p:sldMasterIdLst>
   <p:notesMasterIdLst>
-    <p:notesMasterId r:id="rId3"/>
+    <p:notesMasterId r:id="rId4"/>
   </p:notesMasterIdLst>
   <p:sldIdLst>
     <p:sldId id="256" r:id="rId2"/>
+    <p:sldId id="257" r:id="rId3"/>
   </p:sldIdLst>
   <p:sldSz cx="12192000" cy="6858000"/>
   <p:notesSz cx="6858000" cy="9144000"/>
@@ -107,6 +108,11 @@
       </a:defRPr>
     </a:lvl9pPr>
   </p:defaultTextStyle>
+  <p:extLst>
+    <p:ext uri="{EFAFB233-063F-42B5-8137-9DF3F51BA10A}">
+      <p15:sldGuideLst xmlns:p15="http://schemas.microsoft.com/office/powerpoint/2012/main"/>
+    </p:ext>
+  </p:extLst>
 </p:presentation>
 </file>
 
@@ -192,7 +198,7 @@
           <a:p>
             <a:fld id="{F7E02783-D2D5-D846-9953-5491FFEA053C}" type="datetimeFigureOut">
               <a:rPr kumimoji="1" lang="ja-JP" altLang="en-US" smtClean="0"/>
-              <a:t>2022/2/7</a:t>
+              <a:t>2022/2/8</a:t>
             </a:fld>
             <a:endParaRPr kumimoji="1" lang="ja-JP" altLang="en-US"/>
           </a:p>
@@ -722,7 +728,7 @@
           <a:p>
             <a:fld id="{9A10A3BE-0450-0042-8C33-3260B41DE8F5}" type="datetimeFigureOut">
               <a:rPr kumimoji="1" lang="ja-JP" altLang="en-US" smtClean="0"/>
-              <a:t>2022/2/7</a:t>
+              <a:t>2022/2/8</a:t>
             </a:fld>
             <a:endParaRPr kumimoji="1" lang="ja-JP" altLang="en-US"/>
           </a:p>
@@ -952,7 +958,7 @@
           <a:p>
             <a:fld id="{9A10A3BE-0450-0042-8C33-3260B41DE8F5}" type="datetimeFigureOut">
               <a:rPr kumimoji="1" lang="ja-JP" altLang="en-US" smtClean="0"/>
-              <a:t>2022/2/7</a:t>
+              <a:t>2022/2/8</a:t>
             </a:fld>
             <a:endParaRPr kumimoji="1" lang="ja-JP" altLang="en-US"/>
           </a:p>
@@ -1192,7 +1198,7 @@
           <a:p>
             <a:fld id="{9A10A3BE-0450-0042-8C33-3260B41DE8F5}" type="datetimeFigureOut">
               <a:rPr kumimoji="1" lang="ja-JP" altLang="en-US" smtClean="0"/>
-              <a:t>2022/2/7</a:t>
+              <a:t>2022/2/8</a:t>
             </a:fld>
             <a:endParaRPr kumimoji="1" lang="ja-JP" altLang="en-US"/>
           </a:p>
@@ -1422,7 +1428,7 @@
           <a:p>
             <a:fld id="{9A10A3BE-0450-0042-8C33-3260B41DE8F5}" type="datetimeFigureOut">
               <a:rPr kumimoji="1" lang="ja-JP" altLang="en-US" smtClean="0"/>
-              <a:t>2022/2/7</a:t>
+              <a:t>2022/2/8</a:t>
             </a:fld>
             <a:endParaRPr kumimoji="1" lang="ja-JP" altLang="en-US"/>
           </a:p>
@@ -1697,7 +1703,7 @@
           <a:p>
             <a:fld id="{9A10A3BE-0450-0042-8C33-3260B41DE8F5}" type="datetimeFigureOut">
               <a:rPr kumimoji="1" lang="ja-JP" altLang="en-US" smtClean="0"/>
-              <a:t>2022/2/7</a:t>
+              <a:t>2022/2/8</a:t>
             </a:fld>
             <a:endParaRPr kumimoji="1" lang="ja-JP" altLang="en-US"/>
           </a:p>
@@ -2026,7 +2032,7 @@
           <a:p>
             <a:fld id="{9A10A3BE-0450-0042-8C33-3260B41DE8F5}" type="datetimeFigureOut">
               <a:rPr kumimoji="1" lang="ja-JP" altLang="en-US" smtClean="0"/>
-              <a:t>2022/2/7</a:t>
+              <a:t>2022/2/8</a:t>
             </a:fld>
             <a:endParaRPr kumimoji="1" lang="ja-JP" altLang="en-US"/>
           </a:p>
@@ -2502,7 +2508,7 @@
           <a:p>
             <a:fld id="{9A10A3BE-0450-0042-8C33-3260B41DE8F5}" type="datetimeFigureOut">
               <a:rPr kumimoji="1" lang="ja-JP" altLang="en-US" smtClean="0"/>
-              <a:t>2022/2/7</a:t>
+              <a:t>2022/2/8</a:t>
             </a:fld>
             <a:endParaRPr kumimoji="1" lang="ja-JP" altLang="en-US"/>
           </a:p>
@@ -2643,7 +2649,7 @@
           <a:p>
             <a:fld id="{9A10A3BE-0450-0042-8C33-3260B41DE8F5}" type="datetimeFigureOut">
               <a:rPr kumimoji="1" lang="ja-JP" altLang="en-US" smtClean="0"/>
-              <a:t>2022/2/7</a:t>
+              <a:t>2022/2/8</a:t>
             </a:fld>
             <a:endParaRPr kumimoji="1" lang="ja-JP" altLang="en-US"/>
           </a:p>
@@ -2756,7 +2762,7 @@
           <a:p>
             <a:fld id="{9A10A3BE-0450-0042-8C33-3260B41DE8F5}" type="datetimeFigureOut">
               <a:rPr kumimoji="1" lang="ja-JP" altLang="en-US" smtClean="0"/>
-              <a:t>2022/2/7</a:t>
+              <a:t>2022/2/8</a:t>
             </a:fld>
             <a:endParaRPr kumimoji="1" lang="ja-JP" altLang="en-US"/>
           </a:p>
@@ -3099,7 +3105,7 @@
           <a:p>
             <a:fld id="{9A10A3BE-0450-0042-8C33-3260B41DE8F5}" type="datetimeFigureOut">
               <a:rPr kumimoji="1" lang="ja-JP" altLang="en-US" smtClean="0"/>
-              <a:t>2022/2/7</a:t>
+              <a:t>2022/2/8</a:t>
             </a:fld>
             <a:endParaRPr kumimoji="1" lang="ja-JP" altLang="en-US"/>
           </a:p>
@@ -3387,7 +3393,7 @@
           <a:p>
             <a:fld id="{9A10A3BE-0450-0042-8C33-3260B41DE8F5}" type="datetimeFigureOut">
               <a:rPr kumimoji="1" lang="ja-JP" altLang="en-US" smtClean="0"/>
-              <a:t>2022/2/7</a:t>
+              <a:t>2022/2/8</a:t>
             </a:fld>
             <a:endParaRPr kumimoji="1" lang="ja-JP" altLang="en-US"/>
           </a:p>
@@ -3660,7 +3666,7 @@
           <a:p>
             <a:fld id="{9A10A3BE-0450-0042-8C33-3260B41DE8F5}" type="datetimeFigureOut">
               <a:rPr kumimoji="1" lang="ja-JP" altLang="en-US" smtClean="0"/>
-              <a:t>2022/2/7</a:t>
+              <a:t>2022/2/8</a:t>
             </a:fld>
             <a:endParaRPr kumimoji="1" lang="ja-JP" altLang="en-US"/>
           </a:p>
@@ -4533,6 +4539,1385 @@
     <p:extLst>
       <p:ext uri="{BB962C8B-B14F-4D97-AF65-F5344CB8AC3E}">
         <p14:creationId xmlns:p14="http://schemas.microsoft.com/office/powerpoint/2010/main" val="2361849263"/>
+      </p:ext>
+    </p:extLst>
+  </p:cSld>
+  <p:clrMapOvr>
+    <a:masterClrMapping/>
+  </p:clrMapOvr>
+</p:sld>
+</file>
+
+<file path=ppt/slides/slide2.xml><?xml version="1.0" encoding="utf-8"?>
+<p:sld xmlns:a="http://schemas.openxmlformats.org/drawingml/2006/main" xmlns:r="http://schemas.openxmlformats.org/officeDocument/2006/relationships" xmlns:p="http://schemas.openxmlformats.org/presentationml/2006/main">
+  <p:cSld>
+    <p:spTree>
+      <p:nvGrpSpPr>
+        <p:cNvPr id="1" name=""/>
+        <p:cNvGrpSpPr/>
+        <p:nvPr/>
+      </p:nvGrpSpPr>
+      <p:grpSpPr>
+        <a:xfrm>
+          <a:off x="0" y="0"/>
+          <a:ext cx="0" cy="0"/>
+          <a:chOff x="0" y="0"/>
+          <a:chExt cx="0" cy="0"/>
+        </a:xfrm>
+      </p:grpSpPr>
+      <p:pic>
+        <p:nvPicPr>
+          <p:cNvPr id="4" name="図 3" descr="グラフィカル ユーザー インターフェイス が含まれている画像&#10;&#10;自動的に生成された説明">
+            <a:extLst>
+              <a:ext uri="{FF2B5EF4-FFF2-40B4-BE49-F238E27FC236}">
+                <a16:creationId xmlns:a16="http://schemas.microsoft.com/office/drawing/2014/main" id="{6E8A39E4-E676-CC49-9F37-624F4FA0DF19}"/>
+              </a:ext>
+            </a:extLst>
+          </p:cNvPr>
+          <p:cNvPicPr>
+            <a:picLocks noChangeAspect="1"/>
+          </p:cNvPicPr>
+          <p:nvPr/>
+        </p:nvPicPr>
+        <p:blipFill>
+          <a:blip r:embed="rId2"/>
+          <a:stretch>
+            <a:fillRect/>
+          </a:stretch>
+        </p:blipFill>
+        <p:spPr>
+          <a:xfrm>
+            <a:off x="0" y="1557572"/>
+            <a:ext cx="12192000" cy="2758116"/>
+          </a:xfrm>
+          <a:prstGeom prst="rect">
+            <a:avLst/>
+          </a:prstGeom>
+        </p:spPr>
+      </p:pic>
+      <p:sp>
+        <p:nvSpPr>
+          <p:cNvPr id="5" name="左大かっこ 4">
+            <a:extLst>
+              <a:ext uri="{FF2B5EF4-FFF2-40B4-BE49-F238E27FC236}">
+                <a16:creationId xmlns:a16="http://schemas.microsoft.com/office/drawing/2014/main" id="{29D72A16-4FB8-1240-8008-7DFA6D34B649}"/>
+              </a:ext>
+            </a:extLst>
+          </p:cNvPr>
+          <p:cNvSpPr/>
+          <p:nvPr/>
+        </p:nvSpPr>
+        <p:spPr>
+          <a:xfrm rot="5400000">
+            <a:off x="1461238" y="1211624"/>
+            <a:ext cx="159495" cy="1184430"/>
+          </a:xfrm>
+          <a:prstGeom prst="leftBracket">
+            <a:avLst/>
+          </a:prstGeom>
+          <a:ln w="19050">
+            <a:solidFill>
+              <a:srgbClr val="FF0000"/>
+            </a:solidFill>
+          </a:ln>
+        </p:spPr>
+        <p:style>
+          <a:lnRef idx="1">
+            <a:schemeClr val="accent1"/>
+          </a:lnRef>
+          <a:fillRef idx="0">
+            <a:schemeClr val="accent1"/>
+          </a:fillRef>
+          <a:effectRef idx="0">
+            <a:schemeClr val="accent1"/>
+          </a:effectRef>
+          <a:fontRef idx="minor">
+            <a:schemeClr val="tx1"/>
+          </a:fontRef>
+        </p:style>
+        <p:txBody>
+          <a:bodyPr rtlCol="0" anchor="ctr"/>
+          <a:lstStyle/>
+          <a:p>
+            <a:pPr algn="ctr"/>
+            <a:endParaRPr kumimoji="1" lang="ja-JP" altLang="en-US"/>
+          </a:p>
+        </p:txBody>
+      </p:sp>
+      <p:sp>
+        <p:nvSpPr>
+          <p:cNvPr id="6" name="左大かっこ 5">
+            <a:extLst>
+              <a:ext uri="{FF2B5EF4-FFF2-40B4-BE49-F238E27FC236}">
+                <a16:creationId xmlns:a16="http://schemas.microsoft.com/office/drawing/2014/main" id="{61B46AB2-75CB-1B43-B0C1-2BBE7CCB75D1}"/>
+              </a:ext>
+            </a:extLst>
+          </p:cNvPr>
+          <p:cNvSpPr/>
+          <p:nvPr/>
+        </p:nvSpPr>
+        <p:spPr>
+          <a:xfrm rot="5400000">
+            <a:off x="2040731" y="1416779"/>
+            <a:ext cx="172817" cy="1184430"/>
+          </a:xfrm>
+          <a:prstGeom prst="leftBracket">
+            <a:avLst/>
+          </a:prstGeom>
+          <a:ln w="19050">
+            <a:solidFill>
+              <a:srgbClr val="FF0000"/>
+            </a:solidFill>
+          </a:ln>
+        </p:spPr>
+        <p:style>
+          <a:lnRef idx="1">
+            <a:schemeClr val="accent1"/>
+          </a:lnRef>
+          <a:fillRef idx="0">
+            <a:schemeClr val="accent1"/>
+          </a:fillRef>
+          <a:effectRef idx="0">
+            <a:schemeClr val="accent1"/>
+          </a:effectRef>
+          <a:fontRef idx="minor">
+            <a:schemeClr val="tx1"/>
+          </a:fontRef>
+        </p:style>
+        <p:txBody>
+          <a:bodyPr rtlCol="0" anchor="ctr"/>
+          <a:lstStyle/>
+          <a:p>
+            <a:pPr algn="ctr"/>
+            <a:endParaRPr kumimoji="1" lang="ja-JP" altLang="en-US"/>
+          </a:p>
+        </p:txBody>
+      </p:sp>
+      <p:sp>
+        <p:nvSpPr>
+          <p:cNvPr id="7" name="左大かっこ 6">
+            <a:extLst>
+              <a:ext uri="{FF2B5EF4-FFF2-40B4-BE49-F238E27FC236}">
+                <a16:creationId xmlns:a16="http://schemas.microsoft.com/office/drawing/2014/main" id="{92293E87-B5ED-DB43-8E39-98D061E98F17}"/>
+              </a:ext>
+            </a:extLst>
+          </p:cNvPr>
+          <p:cNvSpPr/>
+          <p:nvPr/>
+        </p:nvSpPr>
+        <p:spPr>
+          <a:xfrm rot="5400000">
+            <a:off x="2619504" y="1634775"/>
+            <a:ext cx="211815" cy="1184422"/>
+          </a:xfrm>
+          <a:prstGeom prst="leftBracket">
+            <a:avLst/>
+          </a:prstGeom>
+          <a:ln w="19050">
+            <a:solidFill>
+              <a:srgbClr val="FF0000"/>
+            </a:solidFill>
+          </a:ln>
+        </p:spPr>
+        <p:style>
+          <a:lnRef idx="1">
+            <a:schemeClr val="accent1"/>
+          </a:lnRef>
+          <a:fillRef idx="0">
+            <a:schemeClr val="accent1"/>
+          </a:fillRef>
+          <a:effectRef idx="0">
+            <a:schemeClr val="accent1"/>
+          </a:effectRef>
+          <a:fontRef idx="minor">
+            <a:schemeClr val="tx1"/>
+          </a:fontRef>
+        </p:style>
+        <p:txBody>
+          <a:bodyPr rtlCol="0" anchor="ctr"/>
+          <a:lstStyle/>
+          <a:p>
+            <a:pPr algn="ctr"/>
+            <a:endParaRPr kumimoji="1" lang="ja-JP" altLang="en-US"/>
+          </a:p>
+        </p:txBody>
+      </p:sp>
+      <p:sp>
+        <p:nvSpPr>
+          <p:cNvPr id="10" name="左大かっこ 9">
+            <a:extLst>
+              <a:ext uri="{FF2B5EF4-FFF2-40B4-BE49-F238E27FC236}">
+                <a16:creationId xmlns:a16="http://schemas.microsoft.com/office/drawing/2014/main" id="{6349D83D-AEFE-EE46-A1DD-E3B1AC383C1E}"/>
+              </a:ext>
+            </a:extLst>
+          </p:cNvPr>
+          <p:cNvSpPr/>
+          <p:nvPr/>
+        </p:nvSpPr>
+        <p:spPr>
+          <a:xfrm rot="5400000">
+            <a:off x="10936497" y="2239179"/>
+            <a:ext cx="194635" cy="1192549"/>
+          </a:xfrm>
+          <a:prstGeom prst="leftBracket">
+            <a:avLst/>
+          </a:prstGeom>
+          <a:ln w="19050">
+            <a:solidFill>
+              <a:srgbClr val="FF0000"/>
+            </a:solidFill>
+          </a:ln>
+        </p:spPr>
+        <p:style>
+          <a:lnRef idx="1">
+            <a:schemeClr val="accent1"/>
+          </a:lnRef>
+          <a:fillRef idx="0">
+            <a:schemeClr val="accent1"/>
+          </a:fillRef>
+          <a:effectRef idx="0">
+            <a:schemeClr val="accent1"/>
+          </a:effectRef>
+          <a:fontRef idx="minor">
+            <a:schemeClr val="tx1"/>
+          </a:fontRef>
+        </p:style>
+        <p:txBody>
+          <a:bodyPr rtlCol="0" anchor="ctr"/>
+          <a:lstStyle/>
+          <a:p>
+            <a:pPr algn="ctr"/>
+            <a:endParaRPr kumimoji="1" lang="ja-JP" altLang="en-US"/>
+          </a:p>
+        </p:txBody>
+      </p:sp>
+      <p:sp>
+        <p:nvSpPr>
+          <p:cNvPr id="11" name="テキスト ボックス 10">
+            <a:extLst>
+              <a:ext uri="{FF2B5EF4-FFF2-40B4-BE49-F238E27FC236}">
+                <a16:creationId xmlns:a16="http://schemas.microsoft.com/office/drawing/2014/main" id="{1D627B6D-6821-4E46-BBF3-B0CDE0B1781B}"/>
+              </a:ext>
+            </a:extLst>
+          </p:cNvPr>
+          <p:cNvSpPr txBox="1"/>
+          <p:nvPr/>
+        </p:nvSpPr>
+        <p:spPr>
+          <a:xfrm>
+            <a:off x="6850613" y="2662338"/>
+            <a:ext cx="415498" cy="369332"/>
+          </a:xfrm>
+          <a:prstGeom prst="rect">
+            <a:avLst/>
+          </a:prstGeom>
+          <a:noFill/>
+        </p:spPr>
+        <p:txBody>
+          <a:bodyPr wrap="none" rtlCol="0">
+            <a:spAutoFit/>
+          </a:bodyPr>
+          <a:lstStyle/>
+          <a:p>
+            <a:r>
+              <a:rPr lang="en-US" altLang="ja-JP" b="1" dirty="0">
+                <a:solidFill>
+                  <a:srgbClr val="FF0000"/>
+                </a:solidFill>
+              </a:rPr>
+              <a:t>…</a:t>
+            </a:r>
+            <a:endParaRPr kumimoji="1" lang="ja-JP" altLang="en-US" b="1">
+              <a:solidFill>
+                <a:srgbClr val="FF0000"/>
+              </a:solidFill>
+            </a:endParaRPr>
+          </a:p>
+        </p:txBody>
+      </p:sp>
+      <p:sp>
+        <p:nvSpPr>
+          <p:cNvPr id="12" name="テキスト ボックス 11">
+            <a:extLst>
+              <a:ext uri="{FF2B5EF4-FFF2-40B4-BE49-F238E27FC236}">
+                <a16:creationId xmlns:a16="http://schemas.microsoft.com/office/drawing/2014/main" id="{F28B8CEA-E316-304F-934C-90CFB53B8721}"/>
+              </a:ext>
+            </a:extLst>
+          </p:cNvPr>
+          <p:cNvSpPr txBox="1"/>
+          <p:nvPr/>
+        </p:nvSpPr>
+        <p:spPr>
+          <a:xfrm>
+            <a:off x="1382034" y="858414"/>
+            <a:ext cx="1502334" cy="461665"/>
+          </a:xfrm>
+          <a:prstGeom prst="rect">
+            <a:avLst/>
+          </a:prstGeom>
+          <a:noFill/>
+        </p:spPr>
+        <p:txBody>
+          <a:bodyPr wrap="none" rtlCol="0">
+            <a:spAutoFit/>
+          </a:bodyPr>
+          <a:lstStyle/>
+          <a:p>
+            <a:pPr algn="ctr"/>
+            <a:r>
+              <a:rPr lang="en-US" altLang="ja-JP" sz="1200" dirty="0">
+                <a:solidFill>
+                  <a:srgbClr val="FF0000"/>
+                </a:solidFill>
+              </a:rPr>
+              <a:t>Time</a:t>
+            </a:r>
+            <a:r>
+              <a:rPr lang="ja-JP" altLang="en-US" sz="1200">
+                <a:solidFill>
+                  <a:srgbClr val="FF0000"/>
+                </a:solidFill>
+              </a:rPr>
+              <a:t> </a:t>
+            </a:r>
+            <a:r>
+              <a:rPr lang="en-US" altLang="ja-JP" sz="1200" dirty="0">
+                <a:solidFill>
+                  <a:srgbClr val="FF0000"/>
+                </a:solidFill>
+              </a:rPr>
+              <a:t>window 1</a:t>
+            </a:r>
+          </a:p>
+          <a:p>
+            <a:pPr algn="ctr"/>
+            <a:r>
+              <a:rPr kumimoji="1" lang="en-US" altLang="ja-JP" sz="1200" dirty="0">
+                <a:solidFill>
+                  <a:srgbClr val="FF0000"/>
+                </a:solidFill>
+              </a:rPr>
+              <a:t>2013.Q1 – 201</a:t>
+            </a:r>
+            <a:r>
+              <a:rPr lang="en-US" altLang="ja-JP" sz="1200" dirty="0">
+                <a:solidFill>
+                  <a:srgbClr val="FF0000"/>
+                </a:solidFill>
+              </a:rPr>
+              <a:t>3.Q2</a:t>
+            </a:r>
+            <a:endParaRPr kumimoji="1" lang="ja-JP" altLang="en-US" sz="1200">
+              <a:solidFill>
+                <a:srgbClr val="FF0000"/>
+              </a:solidFill>
+            </a:endParaRPr>
+          </a:p>
+        </p:txBody>
+      </p:sp>
+      <p:sp>
+        <p:nvSpPr>
+          <p:cNvPr id="13" name="テキスト ボックス 12">
+            <a:extLst>
+              <a:ext uri="{FF2B5EF4-FFF2-40B4-BE49-F238E27FC236}">
+                <a16:creationId xmlns:a16="http://schemas.microsoft.com/office/drawing/2014/main" id="{445CF6F7-DF5C-294A-A51B-ADA8845B613E}"/>
+              </a:ext>
+            </a:extLst>
+          </p:cNvPr>
+          <p:cNvSpPr txBox="1"/>
+          <p:nvPr/>
+        </p:nvSpPr>
+        <p:spPr>
+          <a:xfrm>
+            <a:off x="2884368" y="858414"/>
+            <a:ext cx="1502334" cy="461665"/>
+          </a:xfrm>
+          <a:prstGeom prst="rect">
+            <a:avLst/>
+          </a:prstGeom>
+          <a:noFill/>
+        </p:spPr>
+        <p:txBody>
+          <a:bodyPr wrap="none" rtlCol="0">
+            <a:spAutoFit/>
+          </a:bodyPr>
+          <a:lstStyle/>
+          <a:p>
+            <a:pPr algn="ctr"/>
+            <a:r>
+              <a:rPr lang="en-US" altLang="ja-JP" sz="1200" dirty="0">
+                <a:solidFill>
+                  <a:srgbClr val="FF0000"/>
+                </a:solidFill>
+              </a:rPr>
+              <a:t>Time</a:t>
+            </a:r>
+            <a:r>
+              <a:rPr lang="ja-JP" altLang="en-US" sz="1200">
+                <a:solidFill>
+                  <a:srgbClr val="FF0000"/>
+                </a:solidFill>
+              </a:rPr>
+              <a:t> </a:t>
+            </a:r>
+            <a:r>
+              <a:rPr lang="en-US" altLang="ja-JP" sz="1200" dirty="0">
+                <a:solidFill>
+                  <a:srgbClr val="FF0000"/>
+                </a:solidFill>
+              </a:rPr>
+              <a:t>window 2</a:t>
+            </a:r>
+          </a:p>
+          <a:p>
+            <a:pPr algn="ctr"/>
+            <a:r>
+              <a:rPr kumimoji="1" lang="en-US" altLang="ja-JP" sz="1200" dirty="0">
+                <a:solidFill>
+                  <a:srgbClr val="FF0000"/>
+                </a:solidFill>
+              </a:rPr>
+              <a:t>2013.Q3 – 2013</a:t>
+            </a:r>
+            <a:r>
+              <a:rPr lang="en-US" altLang="ja-JP" sz="1200" dirty="0">
+                <a:solidFill>
+                  <a:srgbClr val="FF0000"/>
+                </a:solidFill>
+              </a:rPr>
+              <a:t>.Q4</a:t>
+            </a:r>
+            <a:endParaRPr kumimoji="1" lang="ja-JP" altLang="en-US" sz="1200">
+              <a:solidFill>
+                <a:srgbClr val="FF0000"/>
+              </a:solidFill>
+            </a:endParaRPr>
+          </a:p>
+        </p:txBody>
+      </p:sp>
+      <p:sp>
+        <p:nvSpPr>
+          <p:cNvPr id="14" name="テキスト ボックス 13">
+            <a:extLst>
+              <a:ext uri="{FF2B5EF4-FFF2-40B4-BE49-F238E27FC236}">
+                <a16:creationId xmlns:a16="http://schemas.microsoft.com/office/drawing/2014/main" id="{FA6969E0-B540-3145-8296-D153A5C440E9}"/>
+              </a:ext>
+            </a:extLst>
+          </p:cNvPr>
+          <p:cNvSpPr txBox="1"/>
+          <p:nvPr/>
+        </p:nvSpPr>
+        <p:spPr>
+          <a:xfrm>
+            <a:off x="4502061" y="858414"/>
+            <a:ext cx="1502334" cy="461665"/>
+          </a:xfrm>
+          <a:prstGeom prst="rect">
+            <a:avLst/>
+          </a:prstGeom>
+          <a:noFill/>
+        </p:spPr>
+        <p:txBody>
+          <a:bodyPr wrap="none" rtlCol="0">
+            <a:spAutoFit/>
+          </a:bodyPr>
+          <a:lstStyle/>
+          <a:p>
+            <a:pPr algn="ctr"/>
+            <a:r>
+              <a:rPr lang="en-US" altLang="ja-JP" sz="1200" dirty="0">
+                <a:solidFill>
+                  <a:srgbClr val="FF0000"/>
+                </a:solidFill>
+              </a:rPr>
+              <a:t>Time</a:t>
+            </a:r>
+            <a:r>
+              <a:rPr lang="ja-JP" altLang="en-US" sz="1200">
+                <a:solidFill>
+                  <a:srgbClr val="FF0000"/>
+                </a:solidFill>
+              </a:rPr>
+              <a:t> </a:t>
+            </a:r>
+            <a:r>
+              <a:rPr lang="en-US" altLang="ja-JP" sz="1200" dirty="0">
+                <a:solidFill>
+                  <a:srgbClr val="FF0000"/>
+                </a:solidFill>
+              </a:rPr>
+              <a:t>window 3</a:t>
+            </a:r>
+          </a:p>
+          <a:p>
+            <a:pPr algn="ctr"/>
+            <a:r>
+              <a:rPr kumimoji="1" lang="en-US" altLang="ja-JP" sz="1200" dirty="0">
+                <a:solidFill>
+                  <a:srgbClr val="FF0000"/>
+                </a:solidFill>
+              </a:rPr>
+              <a:t>2014.Q1 – 2014</a:t>
+            </a:r>
+            <a:r>
+              <a:rPr lang="en-US" altLang="ja-JP" sz="1200" dirty="0">
+                <a:solidFill>
+                  <a:srgbClr val="FF0000"/>
+                </a:solidFill>
+              </a:rPr>
+              <a:t>.Q2</a:t>
+            </a:r>
+            <a:endParaRPr kumimoji="1" lang="ja-JP" altLang="en-US" sz="1200">
+              <a:solidFill>
+                <a:srgbClr val="FF0000"/>
+              </a:solidFill>
+            </a:endParaRPr>
+          </a:p>
+        </p:txBody>
+      </p:sp>
+      <p:sp>
+        <p:nvSpPr>
+          <p:cNvPr id="15" name="テキスト ボックス 14">
+            <a:extLst>
+              <a:ext uri="{FF2B5EF4-FFF2-40B4-BE49-F238E27FC236}">
+                <a16:creationId xmlns:a16="http://schemas.microsoft.com/office/drawing/2014/main" id="{2B2A5F9F-754A-2E41-BDB7-71F20E8C5D12}"/>
+              </a:ext>
+            </a:extLst>
+          </p:cNvPr>
+          <p:cNvSpPr txBox="1"/>
+          <p:nvPr/>
+        </p:nvSpPr>
+        <p:spPr>
+          <a:xfrm>
+            <a:off x="10282647" y="858413"/>
+            <a:ext cx="1502334" cy="461665"/>
+          </a:xfrm>
+          <a:prstGeom prst="rect">
+            <a:avLst/>
+          </a:prstGeom>
+          <a:noFill/>
+        </p:spPr>
+        <p:txBody>
+          <a:bodyPr wrap="none" rtlCol="0">
+            <a:spAutoFit/>
+          </a:bodyPr>
+          <a:lstStyle/>
+          <a:p>
+            <a:pPr algn="ctr"/>
+            <a:r>
+              <a:rPr lang="en-US" altLang="ja-JP" sz="1200" dirty="0">
+                <a:solidFill>
+                  <a:srgbClr val="FF0000"/>
+                </a:solidFill>
+              </a:rPr>
+              <a:t>Time</a:t>
+            </a:r>
+            <a:r>
+              <a:rPr lang="ja-JP" altLang="en-US" sz="1200">
+                <a:solidFill>
+                  <a:srgbClr val="FF0000"/>
+                </a:solidFill>
+              </a:rPr>
+              <a:t> </a:t>
+            </a:r>
+            <a:r>
+              <a:rPr lang="en-US" altLang="ja-JP" sz="1200" dirty="0">
+                <a:solidFill>
+                  <a:srgbClr val="FF0000"/>
+                </a:solidFill>
+              </a:rPr>
+              <a:t>window N</a:t>
+            </a:r>
+          </a:p>
+          <a:p>
+            <a:pPr algn="ctr"/>
+            <a:r>
+              <a:rPr kumimoji="1" lang="en-US" altLang="ja-JP" sz="1200" dirty="0">
+                <a:solidFill>
+                  <a:srgbClr val="FF0000"/>
+                </a:solidFill>
+              </a:rPr>
+              <a:t>2016.Q3 – 2017</a:t>
+            </a:r>
+            <a:r>
+              <a:rPr lang="en-US" altLang="ja-JP" sz="1200" dirty="0">
+                <a:solidFill>
+                  <a:srgbClr val="FF0000"/>
+                </a:solidFill>
+              </a:rPr>
+              <a:t>.Q2</a:t>
+            </a:r>
+            <a:endParaRPr kumimoji="1" lang="ja-JP" altLang="en-US" sz="1200">
+              <a:solidFill>
+                <a:srgbClr val="FF0000"/>
+              </a:solidFill>
+            </a:endParaRPr>
+          </a:p>
+        </p:txBody>
+      </p:sp>
+      <p:cxnSp>
+        <p:nvCxnSpPr>
+          <p:cNvPr id="21" name="直線コネクタ 20">
+            <a:extLst>
+              <a:ext uri="{FF2B5EF4-FFF2-40B4-BE49-F238E27FC236}">
+                <a16:creationId xmlns:a16="http://schemas.microsoft.com/office/drawing/2014/main" id="{DBFE9706-4156-0448-A025-E9397AD62ADE}"/>
+              </a:ext>
+            </a:extLst>
+          </p:cNvPr>
+          <p:cNvCxnSpPr>
+            <a:cxnSpLocks/>
+            <a:stCxn id="12" idx="2"/>
+            <a:endCxn id="5" idx="1"/>
+          </p:cNvCxnSpPr>
+          <p:nvPr/>
+        </p:nvCxnSpPr>
+        <p:spPr>
+          <a:xfrm flipH="1">
+            <a:off x="1540986" y="1320079"/>
+            <a:ext cx="592215" cy="404013"/>
+          </a:xfrm>
+          <a:prstGeom prst="line">
+            <a:avLst/>
+          </a:prstGeom>
+          <a:ln w="12700">
+            <a:solidFill>
+              <a:srgbClr val="FF0000"/>
+            </a:solidFill>
+            <a:prstDash val="sysDash"/>
+          </a:ln>
+        </p:spPr>
+        <p:style>
+          <a:lnRef idx="1">
+            <a:schemeClr val="accent1"/>
+          </a:lnRef>
+          <a:fillRef idx="0">
+            <a:schemeClr val="accent1"/>
+          </a:fillRef>
+          <a:effectRef idx="0">
+            <a:schemeClr val="accent1"/>
+          </a:effectRef>
+          <a:fontRef idx="minor">
+            <a:schemeClr val="tx1"/>
+          </a:fontRef>
+        </p:style>
+      </p:cxnSp>
+      <p:cxnSp>
+        <p:nvCxnSpPr>
+          <p:cNvPr id="22" name="直線コネクタ 21">
+            <a:extLst>
+              <a:ext uri="{FF2B5EF4-FFF2-40B4-BE49-F238E27FC236}">
+                <a16:creationId xmlns:a16="http://schemas.microsoft.com/office/drawing/2014/main" id="{C49D10E3-9143-0843-A081-76F2A929B69E}"/>
+              </a:ext>
+            </a:extLst>
+          </p:cNvPr>
+          <p:cNvCxnSpPr>
+            <a:cxnSpLocks/>
+            <a:stCxn id="13" idx="2"/>
+            <a:endCxn id="6" idx="1"/>
+          </p:cNvCxnSpPr>
+          <p:nvPr/>
+        </p:nvCxnSpPr>
+        <p:spPr>
+          <a:xfrm flipH="1">
+            <a:off x="2127140" y="1320079"/>
+            <a:ext cx="1508395" cy="602507"/>
+          </a:xfrm>
+          <a:prstGeom prst="line">
+            <a:avLst/>
+          </a:prstGeom>
+          <a:ln w="12700">
+            <a:solidFill>
+              <a:srgbClr val="FF0000"/>
+            </a:solidFill>
+            <a:prstDash val="sysDash"/>
+          </a:ln>
+        </p:spPr>
+        <p:style>
+          <a:lnRef idx="1">
+            <a:schemeClr val="accent1"/>
+          </a:lnRef>
+          <a:fillRef idx="0">
+            <a:schemeClr val="accent1"/>
+          </a:fillRef>
+          <a:effectRef idx="0">
+            <a:schemeClr val="accent1"/>
+          </a:effectRef>
+          <a:fontRef idx="minor">
+            <a:schemeClr val="tx1"/>
+          </a:fontRef>
+        </p:style>
+      </p:cxnSp>
+      <p:cxnSp>
+        <p:nvCxnSpPr>
+          <p:cNvPr id="25" name="直線コネクタ 24">
+            <a:extLst>
+              <a:ext uri="{FF2B5EF4-FFF2-40B4-BE49-F238E27FC236}">
+                <a16:creationId xmlns:a16="http://schemas.microsoft.com/office/drawing/2014/main" id="{A3D36950-F7D4-E840-9F78-F7257257ED2F}"/>
+              </a:ext>
+            </a:extLst>
+          </p:cNvPr>
+          <p:cNvCxnSpPr>
+            <a:cxnSpLocks/>
+            <a:stCxn id="14" idx="2"/>
+            <a:endCxn id="7" idx="1"/>
+          </p:cNvCxnSpPr>
+          <p:nvPr/>
+        </p:nvCxnSpPr>
+        <p:spPr>
+          <a:xfrm flipH="1">
+            <a:off x="2725412" y="1320079"/>
+            <a:ext cx="2527816" cy="801000"/>
+          </a:xfrm>
+          <a:prstGeom prst="line">
+            <a:avLst/>
+          </a:prstGeom>
+          <a:ln w="12700">
+            <a:solidFill>
+              <a:srgbClr val="FF0000"/>
+            </a:solidFill>
+            <a:prstDash val="sysDash"/>
+          </a:ln>
+        </p:spPr>
+        <p:style>
+          <a:lnRef idx="1">
+            <a:schemeClr val="accent1"/>
+          </a:lnRef>
+          <a:fillRef idx="0">
+            <a:schemeClr val="accent1"/>
+          </a:fillRef>
+          <a:effectRef idx="0">
+            <a:schemeClr val="accent1"/>
+          </a:effectRef>
+          <a:fontRef idx="minor">
+            <a:schemeClr val="tx1"/>
+          </a:fontRef>
+        </p:style>
+      </p:cxnSp>
+      <p:cxnSp>
+        <p:nvCxnSpPr>
+          <p:cNvPr id="28" name="直線コネクタ 27">
+            <a:extLst>
+              <a:ext uri="{FF2B5EF4-FFF2-40B4-BE49-F238E27FC236}">
+                <a16:creationId xmlns:a16="http://schemas.microsoft.com/office/drawing/2014/main" id="{5E56C7E7-13AF-D141-A14F-BB274DF058C2}"/>
+              </a:ext>
+            </a:extLst>
+          </p:cNvPr>
+          <p:cNvCxnSpPr>
+            <a:cxnSpLocks/>
+            <a:stCxn id="15" idx="2"/>
+            <a:endCxn id="10" idx="1"/>
+          </p:cNvCxnSpPr>
+          <p:nvPr/>
+        </p:nvCxnSpPr>
+        <p:spPr>
+          <a:xfrm>
+            <a:off x="11033814" y="1320078"/>
+            <a:ext cx="0" cy="1418058"/>
+          </a:xfrm>
+          <a:prstGeom prst="line">
+            <a:avLst/>
+          </a:prstGeom>
+          <a:ln w="12700">
+            <a:solidFill>
+              <a:srgbClr val="FF0000"/>
+            </a:solidFill>
+            <a:prstDash val="sysDash"/>
+          </a:ln>
+        </p:spPr>
+        <p:style>
+          <a:lnRef idx="1">
+            <a:schemeClr val="accent1"/>
+          </a:lnRef>
+          <a:fillRef idx="0">
+            <a:schemeClr val="accent1"/>
+          </a:fillRef>
+          <a:effectRef idx="0">
+            <a:schemeClr val="accent1"/>
+          </a:effectRef>
+          <a:fontRef idx="minor">
+            <a:schemeClr val="tx1"/>
+          </a:fontRef>
+        </p:style>
+      </p:cxnSp>
+      <p:pic>
+        <p:nvPicPr>
+          <p:cNvPr id="36" name="図 35" descr="グラフ&#10;&#10;自動的に生成された説明">
+            <a:extLst>
+              <a:ext uri="{FF2B5EF4-FFF2-40B4-BE49-F238E27FC236}">
+                <a16:creationId xmlns:a16="http://schemas.microsoft.com/office/drawing/2014/main" id="{2B10F773-F6EE-9C46-B209-2251F28EA6D6}"/>
+              </a:ext>
+            </a:extLst>
+          </p:cNvPr>
+          <p:cNvPicPr>
+            <a:picLocks noChangeAspect="1"/>
+          </p:cNvPicPr>
+          <p:nvPr/>
+        </p:nvPicPr>
+        <p:blipFill>
+          <a:blip r:embed="rId3"/>
+          <a:stretch>
+            <a:fillRect/>
+          </a:stretch>
+        </p:blipFill>
+        <p:spPr>
+          <a:xfrm>
+            <a:off x="1534925" y="4739318"/>
+            <a:ext cx="10657075" cy="2136542"/>
+          </a:xfrm>
+          <a:prstGeom prst="rect">
+            <a:avLst/>
+          </a:prstGeom>
+        </p:spPr>
+      </p:pic>
+      <p:sp>
+        <p:nvSpPr>
+          <p:cNvPr id="43" name="左大かっこ 42">
+            <a:extLst>
+              <a:ext uri="{FF2B5EF4-FFF2-40B4-BE49-F238E27FC236}">
+                <a16:creationId xmlns:a16="http://schemas.microsoft.com/office/drawing/2014/main" id="{D99FEB14-24AE-6245-9983-D7B98D8A0DE6}"/>
+              </a:ext>
+            </a:extLst>
+          </p:cNvPr>
+          <p:cNvSpPr/>
+          <p:nvPr/>
+        </p:nvSpPr>
+        <p:spPr>
+          <a:xfrm rot="16200000">
+            <a:off x="1461239" y="3382756"/>
+            <a:ext cx="159495" cy="1184430"/>
+          </a:xfrm>
+          <a:prstGeom prst="leftBracket">
+            <a:avLst/>
+          </a:prstGeom>
+          <a:ln w="19050">
+            <a:solidFill>
+              <a:srgbClr val="FF0000"/>
+            </a:solidFill>
+          </a:ln>
+        </p:spPr>
+        <p:style>
+          <a:lnRef idx="1">
+            <a:schemeClr val="accent1"/>
+          </a:lnRef>
+          <a:fillRef idx="0">
+            <a:schemeClr val="accent1"/>
+          </a:fillRef>
+          <a:effectRef idx="0">
+            <a:schemeClr val="accent1"/>
+          </a:effectRef>
+          <a:fontRef idx="minor">
+            <a:schemeClr val="tx1"/>
+          </a:fontRef>
+        </p:style>
+        <p:txBody>
+          <a:bodyPr rtlCol="0" anchor="ctr"/>
+          <a:lstStyle/>
+          <a:p>
+            <a:pPr algn="ctr"/>
+            <a:endParaRPr kumimoji="1" lang="ja-JP" altLang="en-US"/>
+          </a:p>
+        </p:txBody>
+      </p:sp>
+      <p:sp>
+        <p:nvSpPr>
+          <p:cNvPr id="44" name="円/楕円 43">
+            <a:extLst>
+              <a:ext uri="{FF2B5EF4-FFF2-40B4-BE49-F238E27FC236}">
+                <a16:creationId xmlns:a16="http://schemas.microsoft.com/office/drawing/2014/main" id="{314B55D2-CA19-5343-B048-19AA727F8400}"/>
+              </a:ext>
+            </a:extLst>
+          </p:cNvPr>
+          <p:cNvSpPr/>
+          <p:nvPr/>
+        </p:nvSpPr>
+        <p:spPr>
+          <a:xfrm>
+            <a:off x="2127139" y="4961479"/>
+            <a:ext cx="49051" cy="56116"/>
+          </a:xfrm>
+          <a:prstGeom prst="ellipse">
+            <a:avLst/>
+          </a:prstGeom>
+          <a:solidFill>
+            <a:srgbClr val="FF0000"/>
+          </a:solidFill>
+          <a:ln>
+            <a:solidFill>
+              <a:srgbClr val="FF0000"/>
+            </a:solidFill>
+          </a:ln>
+        </p:spPr>
+        <p:style>
+          <a:lnRef idx="2">
+            <a:schemeClr val="accent1">
+              <a:shade val="50000"/>
+            </a:schemeClr>
+          </a:lnRef>
+          <a:fillRef idx="1">
+            <a:schemeClr val="accent1"/>
+          </a:fillRef>
+          <a:effectRef idx="0">
+            <a:schemeClr val="accent1"/>
+          </a:effectRef>
+          <a:fontRef idx="minor">
+            <a:schemeClr val="lt1"/>
+          </a:fontRef>
+        </p:style>
+        <p:txBody>
+          <a:bodyPr rtlCol="0" anchor="ctr"/>
+          <a:lstStyle/>
+          <a:p>
+            <a:pPr algn="ctr"/>
+            <a:endParaRPr kumimoji="1" lang="ja-JP" altLang="en-US"/>
+          </a:p>
+        </p:txBody>
+      </p:sp>
+      <p:sp>
+        <p:nvSpPr>
+          <p:cNvPr id="45" name="円/楕円 44">
+            <a:extLst>
+              <a:ext uri="{FF2B5EF4-FFF2-40B4-BE49-F238E27FC236}">
+                <a16:creationId xmlns:a16="http://schemas.microsoft.com/office/drawing/2014/main" id="{7F684300-9A77-D14C-9F37-F5C5418FD802}"/>
+              </a:ext>
+            </a:extLst>
+          </p:cNvPr>
+          <p:cNvSpPr/>
+          <p:nvPr/>
+        </p:nvSpPr>
+        <p:spPr>
+          <a:xfrm>
+            <a:off x="3075952" y="4989537"/>
+            <a:ext cx="49051" cy="56116"/>
+          </a:xfrm>
+          <a:prstGeom prst="ellipse">
+            <a:avLst/>
+          </a:prstGeom>
+          <a:solidFill>
+            <a:srgbClr val="FF0000"/>
+          </a:solidFill>
+          <a:ln>
+            <a:solidFill>
+              <a:srgbClr val="FF0000"/>
+            </a:solidFill>
+          </a:ln>
+        </p:spPr>
+        <p:style>
+          <a:lnRef idx="2">
+            <a:schemeClr val="accent1">
+              <a:shade val="50000"/>
+            </a:schemeClr>
+          </a:lnRef>
+          <a:fillRef idx="1">
+            <a:schemeClr val="accent1"/>
+          </a:fillRef>
+          <a:effectRef idx="0">
+            <a:schemeClr val="accent1"/>
+          </a:effectRef>
+          <a:fontRef idx="minor">
+            <a:schemeClr val="lt1"/>
+          </a:fontRef>
+        </p:style>
+        <p:txBody>
+          <a:bodyPr rtlCol="0" anchor="ctr"/>
+          <a:lstStyle/>
+          <a:p>
+            <a:pPr algn="ctr"/>
+            <a:endParaRPr kumimoji="1" lang="ja-JP" altLang="en-US"/>
+          </a:p>
+        </p:txBody>
+      </p:sp>
+      <p:cxnSp>
+        <p:nvCxnSpPr>
+          <p:cNvPr id="46" name="直線コネクタ 45">
+            <a:extLst>
+              <a:ext uri="{FF2B5EF4-FFF2-40B4-BE49-F238E27FC236}">
+                <a16:creationId xmlns:a16="http://schemas.microsoft.com/office/drawing/2014/main" id="{09728576-E962-144B-8117-A39FFB873913}"/>
+              </a:ext>
+            </a:extLst>
+          </p:cNvPr>
+          <p:cNvCxnSpPr>
+            <a:cxnSpLocks/>
+            <a:stCxn id="44" idx="0"/>
+            <a:endCxn id="43" idx="1"/>
+          </p:cNvCxnSpPr>
+          <p:nvPr/>
+        </p:nvCxnSpPr>
+        <p:spPr>
+          <a:xfrm flipH="1" flipV="1">
+            <a:off x="1540987" y="4054719"/>
+            <a:ext cx="610678" cy="906760"/>
+          </a:xfrm>
+          <a:prstGeom prst="line">
+            <a:avLst/>
+          </a:prstGeom>
+          <a:ln w="12700">
+            <a:solidFill>
+              <a:srgbClr val="FF0000"/>
+            </a:solidFill>
+            <a:prstDash val="sysDash"/>
+          </a:ln>
+        </p:spPr>
+        <p:style>
+          <a:lnRef idx="1">
+            <a:schemeClr val="accent1"/>
+          </a:lnRef>
+          <a:fillRef idx="0">
+            <a:schemeClr val="accent1"/>
+          </a:fillRef>
+          <a:effectRef idx="0">
+            <a:schemeClr val="accent1"/>
+          </a:effectRef>
+          <a:fontRef idx="minor">
+            <a:schemeClr val="tx1"/>
+          </a:fontRef>
+        </p:style>
+      </p:cxnSp>
+      <p:sp>
+        <p:nvSpPr>
+          <p:cNvPr id="49" name="左大かっこ 48">
+            <a:extLst>
+              <a:ext uri="{FF2B5EF4-FFF2-40B4-BE49-F238E27FC236}">
+                <a16:creationId xmlns:a16="http://schemas.microsoft.com/office/drawing/2014/main" id="{598CA672-AB58-AA40-BA0F-6A652FC59A72}"/>
+              </a:ext>
+            </a:extLst>
+          </p:cNvPr>
+          <p:cNvSpPr/>
+          <p:nvPr/>
+        </p:nvSpPr>
+        <p:spPr>
+          <a:xfrm rot="16200000">
+            <a:off x="2047392" y="3535579"/>
+            <a:ext cx="159495" cy="1184430"/>
+          </a:xfrm>
+          <a:prstGeom prst="leftBracket">
+            <a:avLst/>
+          </a:prstGeom>
+          <a:ln w="19050">
+            <a:solidFill>
+              <a:srgbClr val="FF0000"/>
+            </a:solidFill>
+          </a:ln>
+        </p:spPr>
+        <p:style>
+          <a:lnRef idx="1">
+            <a:schemeClr val="accent1"/>
+          </a:lnRef>
+          <a:fillRef idx="0">
+            <a:schemeClr val="accent1"/>
+          </a:fillRef>
+          <a:effectRef idx="0">
+            <a:schemeClr val="accent1"/>
+          </a:effectRef>
+          <a:fontRef idx="minor">
+            <a:schemeClr val="tx1"/>
+          </a:fontRef>
+        </p:style>
+        <p:txBody>
+          <a:bodyPr rtlCol="0" anchor="ctr"/>
+          <a:lstStyle/>
+          <a:p>
+            <a:pPr algn="ctr"/>
+            <a:endParaRPr kumimoji="1" lang="ja-JP" altLang="en-US"/>
+          </a:p>
+        </p:txBody>
+      </p:sp>
+      <p:sp>
+        <p:nvSpPr>
+          <p:cNvPr id="50" name="左大かっこ 49">
+            <a:extLst>
+              <a:ext uri="{FF2B5EF4-FFF2-40B4-BE49-F238E27FC236}">
+                <a16:creationId xmlns:a16="http://schemas.microsoft.com/office/drawing/2014/main" id="{FE85FDE8-21B9-A845-83C1-AE7A8DC2259A}"/>
+              </a:ext>
+            </a:extLst>
+          </p:cNvPr>
+          <p:cNvSpPr/>
+          <p:nvPr/>
+        </p:nvSpPr>
+        <p:spPr>
+          <a:xfrm rot="16200000">
+            <a:off x="2645661" y="3701747"/>
+            <a:ext cx="159495" cy="1184430"/>
+          </a:xfrm>
+          <a:prstGeom prst="leftBracket">
+            <a:avLst/>
+          </a:prstGeom>
+          <a:ln w="19050">
+            <a:solidFill>
+              <a:srgbClr val="FF0000"/>
+            </a:solidFill>
+          </a:ln>
+        </p:spPr>
+        <p:style>
+          <a:lnRef idx="1">
+            <a:schemeClr val="accent1"/>
+          </a:lnRef>
+          <a:fillRef idx="0">
+            <a:schemeClr val="accent1"/>
+          </a:fillRef>
+          <a:effectRef idx="0">
+            <a:schemeClr val="accent1"/>
+          </a:effectRef>
+          <a:fontRef idx="minor">
+            <a:schemeClr val="tx1"/>
+          </a:fontRef>
+        </p:style>
+        <p:txBody>
+          <a:bodyPr rtlCol="0" anchor="ctr"/>
+          <a:lstStyle/>
+          <a:p>
+            <a:pPr algn="ctr"/>
+            <a:endParaRPr kumimoji="1" lang="ja-JP" altLang="en-US"/>
+          </a:p>
+        </p:txBody>
+      </p:sp>
+      <p:cxnSp>
+        <p:nvCxnSpPr>
+          <p:cNvPr id="51" name="直線コネクタ 50">
+            <a:extLst>
+              <a:ext uri="{FF2B5EF4-FFF2-40B4-BE49-F238E27FC236}">
+                <a16:creationId xmlns:a16="http://schemas.microsoft.com/office/drawing/2014/main" id="{8DFCD398-364B-6B4A-81D9-90E6E673BE06}"/>
+              </a:ext>
+            </a:extLst>
+          </p:cNvPr>
+          <p:cNvCxnSpPr>
+            <a:cxnSpLocks/>
+            <a:stCxn id="45" idx="0"/>
+            <a:endCxn id="50" idx="1"/>
+          </p:cNvCxnSpPr>
+          <p:nvPr/>
+        </p:nvCxnSpPr>
+        <p:spPr>
+          <a:xfrm flipH="1" flipV="1">
+            <a:off x="2725409" y="4373710"/>
+            <a:ext cx="375069" cy="615827"/>
+          </a:xfrm>
+          <a:prstGeom prst="line">
+            <a:avLst/>
+          </a:prstGeom>
+          <a:ln w="12700">
+            <a:solidFill>
+              <a:srgbClr val="FF0000"/>
+            </a:solidFill>
+            <a:prstDash val="sysDash"/>
+          </a:ln>
+        </p:spPr>
+        <p:style>
+          <a:lnRef idx="1">
+            <a:schemeClr val="accent1"/>
+          </a:lnRef>
+          <a:fillRef idx="0">
+            <a:schemeClr val="accent1"/>
+          </a:fillRef>
+          <a:effectRef idx="0">
+            <a:schemeClr val="accent1"/>
+          </a:effectRef>
+          <a:fontRef idx="minor">
+            <a:schemeClr val="tx1"/>
+          </a:fontRef>
+        </p:style>
+      </p:cxnSp>
+      <p:cxnSp>
+        <p:nvCxnSpPr>
+          <p:cNvPr id="54" name="直線コネクタ 53">
+            <a:extLst>
+              <a:ext uri="{FF2B5EF4-FFF2-40B4-BE49-F238E27FC236}">
+                <a16:creationId xmlns:a16="http://schemas.microsoft.com/office/drawing/2014/main" id="{7B81E688-0D15-9C41-B136-5D79C3C89005}"/>
+              </a:ext>
+            </a:extLst>
+          </p:cNvPr>
+          <p:cNvCxnSpPr>
+            <a:cxnSpLocks/>
+            <a:stCxn id="56" idx="0"/>
+            <a:endCxn id="49" idx="1"/>
+          </p:cNvCxnSpPr>
+          <p:nvPr/>
+        </p:nvCxnSpPr>
+        <p:spPr>
+          <a:xfrm flipH="1" flipV="1">
+            <a:off x="2127140" y="4207542"/>
+            <a:ext cx="497332" cy="753937"/>
+          </a:xfrm>
+          <a:prstGeom prst="line">
+            <a:avLst/>
+          </a:prstGeom>
+          <a:ln w="12700">
+            <a:solidFill>
+              <a:srgbClr val="FF0000"/>
+            </a:solidFill>
+            <a:prstDash val="sysDash"/>
+          </a:ln>
+        </p:spPr>
+        <p:style>
+          <a:lnRef idx="1">
+            <a:schemeClr val="accent1"/>
+          </a:lnRef>
+          <a:fillRef idx="0">
+            <a:schemeClr val="accent1"/>
+          </a:fillRef>
+          <a:effectRef idx="0">
+            <a:schemeClr val="accent1"/>
+          </a:effectRef>
+          <a:fontRef idx="minor">
+            <a:schemeClr val="tx1"/>
+          </a:fontRef>
+        </p:style>
+      </p:cxnSp>
+      <p:sp>
+        <p:nvSpPr>
+          <p:cNvPr id="56" name="円/楕円 55">
+            <a:extLst>
+              <a:ext uri="{FF2B5EF4-FFF2-40B4-BE49-F238E27FC236}">
+                <a16:creationId xmlns:a16="http://schemas.microsoft.com/office/drawing/2014/main" id="{076D2E18-C3D7-4E4D-9708-767037A8DE8C}"/>
+              </a:ext>
+            </a:extLst>
+          </p:cNvPr>
+          <p:cNvSpPr/>
+          <p:nvPr/>
+        </p:nvSpPr>
+        <p:spPr>
+          <a:xfrm>
+            <a:off x="2599946" y="4961479"/>
+            <a:ext cx="49051" cy="56116"/>
+          </a:xfrm>
+          <a:prstGeom prst="ellipse">
+            <a:avLst/>
+          </a:prstGeom>
+          <a:solidFill>
+            <a:srgbClr val="FF0000"/>
+          </a:solidFill>
+          <a:ln>
+            <a:solidFill>
+              <a:srgbClr val="FF0000"/>
+            </a:solidFill>
+          </a:ln>
+        </p:spPr>
+        <p:style>
+          <a:lnRef idx="2">
+            <a:schemeClr val="accent1">
+              <a:shade val="50000"/>
+            </a:schemeClr>
+          </a:lnRef>
+          <a:fillRef idx="1">
+            <a:schemeClr val="accent1"/>
+          </a:fillRef>
+          <a:effectRef idx="0">
+            <a:schemeClr val="accent1"/>
+          </a:effectRef>
+          <a:fontRef idx="minor">
+            <a:schemeClr val="lt1"/>
+          </a:fontRef>
+        </p:style>
+        <p:txBody>
+          <a:bodyPr rtlCol="0" anchor="ctr"/>
+          <a:lstStyle/>
+          <a:p>
+            <a:pPr algn="ctr"/>
+            <a:endParaRPr kumimoji="1" lang="ja-JP" altLang="en-US"/>
+          </a:p>
+        </p:txBody>
+      </p:sp>
+      <p:sp>
+        <p:nvSpPr>
+          <p:cNvPr id="58" name="左大かっこ 57">
+            <a:extLst>
+              <a:ext uri="{FF2B5EF4-FFF2-40B4-BE49-F238E27FC236}">
+                <a16:creationId xmlns:a16="http://schemas.microsoft.com/office/drawing/2014/main" id="{503992D8-F96C-1B4A-BA21-BF364B39AB32}"/>
+              </a:ext>
+            </a:extLst>
+          </p:cNvPr>
+          <p:cNvSpPr/>
+          <p:nvPr/>
+        </p:nvSpPr>
+        <p:spPr>
+          <a:xfrm rot="5400000">
+            <a:off x="3198597" y="1855862"/>
+            <a:ext cx="211815" cy="1184422"/>
+          </a:xfrm>
+          <a:prstGeom prst="leftBracket">
+            <a:avLst/>
+          </a:prstGeom>
+          <a:ln w="19050">
+            <a:solidFill>
+              <a:srgbClr val="FF0000"/>
+            </a:solidFill>
+          </a:ln>
+        </p:spPr>
+        <p:style>
+          <a:lnRef idx="1">
+            <a:schemeClr val="accent1"/>
+          </a:lnRef>
+          <a:fillRef idx="0">
+            <a:schemeClr val="accent1"/>
+          </a:fillRef>
+          <a:effectRef idx="0">
+            <a:schemeClr val="accent1"/>
+          </a:effectRef>
+          <a:fontRef idx="minor">
+            <a:schemeClr val="tx1"/>
+          </a:fontRef>
+        </p:style>
+        <p:txBody>
+          <a:bodyPr rtlCol="0" anchor="ctr"/>
+          <a:lstStyle/>
+          <a:p>
+            <a:pPr algn="ctr"/>
+            <a:endParaRPr kumimoji="1" lang="ja-JP" altLang="en-US"/>
+          </a:p>
+        </p:txBody>
+      </p:sp>
+      <p:sp>
+        <p:nvSpPr>
+          <p:cNvPr id="59" name="左大かっこ 58">
+            <a:extLst>
+              <a:ext uri="{FF2B5EF4-FFF2-40B4-BE49-F238E27FC236}">
+                <a16:creationId xmlns:a16="http://schemas.microsoft.com/office/drawing/2014/main" id="{0CD26389-11E1-9542-99E4-46EE607932EC}"/>
+              </a:ext>
+            </a:extLst>
+          </p:cNvPr>
+          <p:cNvSpPr/>
+          <p:nvPr/>
+        </p:nvSpPr>
+        <p:spPr>
+          <a:xfrm rot="5400000">
+            <a:off x="3803926" y="2093356"/>
+            <a:ext cx="211815" cy="1184422"/>
+          </a:xfrm>
+          <a:prstGeom prst="leftBracket">
+            <a:avLst/>
+          </a:prstGeom>
+          <a:ln w="19050">
+            <a:solidFill>
+              <a:srgbClr val="FF0000"/>
+            </a:solidFill>
+          </a:ln>
+        </p:spPr>
+        <p:style>
+          <a:lnRef idx="1">
+            <a:schemeClr val="accent1"/>
+          </a:lnRef>
+          <a:fillRef idx="0">
+            <a:schemeClr val="accent1"/>
+          </a:fillRef>
+          <a:effectRef idx="0">
+            <a:schemeClr val="accent1"/>
+          </a:effectRef>
+          <a:fontRef idx="minor">
+            <a:schemeClr val="tx1"/>
+          </a:fontRef>
+        </p:style>
+        <p:txBody>
+          <a:bodyPr rtlCol="0" anchor="ctr"/>
+          <a:lstStyle/>
+          <a:p>
+            <a:pPr algn="ctr"/>
+            <a:endParaRPr kumimoji="1" lang="ja-JP" altLang="en-US"/>
+          </a:p>
+        </p:txBody>
+      </p:sp>
+    </p:spTree>
+    <p:extLst>
+      <p:ext uri="{BB962C8B-B14F-4D97-AF65-F5344CB8AC3E}">
+        <p14:creationId xmlns:p14="http://schemas.microsoft.com/office/powerpoint/2010/main" val="2412448367"/>
       </p:ext>
     </p:extLst>
   </p:cSld>
